--- a/helloWorld/ppt_to_pdf_test/diyun_land_report_result.pptx
+++ b/helloWorld/ppt_to_pdf_test/diyun_land_report_result.pptx
@@ -24959,12 +24959,236 @@
           <p:nvPr/>
         </p:nvGraphicFramePr>
         <p:xfrm>
-          <a:off x="1828800" y="1828800"/>
-          <a:ext cx="5486400" cy="4114800"/>
+          <a:off x="182880" y="914400"/>
+          <a:ext cx="4114800" cy="3200400"/>
         </p:xfrm>
         <a:graphic>
           <a:graphicData uri="http://schemas.openxmlformats.org/drawingml/2006/chart">
             <c:chart xmlns:c="http://schemas.openxmlformats.org/drawingml/2006/chart" r:id="rId2"/>
+          </a:graphicData>
+        </a:graphic>
+      </p:graphicFrame>
+      <p:graphicFrame>
+        <p:nvGraphicFramePr>
+          <p:cNvPr id="4" name="Table 3"/>
+          <p:cNvGraphicFramePr>
+            <a:graphicFrameLocks noGrp="1"/>
+          </p:cNvGraphicFramePr>
+          <p:nvPr/>
+        </p:nvGraphicFramePr>
+        <p:xfrm>
+          <a:off x="180000" y="4500000"/>
+          <a:ext cx="4320000" cy="288000"/>
+        </p:xfrm>
+        <a:graphic>
+          <a:graphicData uri="http://schemas.openxmlformats.org/drawingml/2006/table">
+            <a:tbl>
+              <a:tblPr firstRow="1" bandRow="1">
+                <a:tableStyleId>{5C22544A-7EE6-4342-B048-85BDC9FD1C3A}</a:tableStyleId>
+              </a:tblPr>
+              <a:tblGrid>
+                <a:gridCol w="1080000"/>
+                <a:gridCol w="1080000"/>
+                <a:gridCol w="1080000"/>
+                <a:gridCol w="1080000"/>
+              </a:tblGrid>
+              <a:tr h="72000">
+                <a:tc>
+                  <a:txBody>
+                    <a:bodyPr/>
+                    <a:lstStyle/>
+                    <a:p/>
+                  </a:txBody>
+                  <a:tcPr/>
+                </a:tc>
+                <a:tc>
+                  <a:txBody>
+                    <a:bodyPr/>
+                    <a:lstStyle/>
+                    <a:p>
+                      <a:r>
+                        <a:t>object1</a:t>
+                      </a:r>
+                    </a:p>
+                  </a:txBody>
+                  <a:tcPr/>
+                </a:tc>
+                <a:tc>
+                  <a:txBody>
+                    <a:bodyPr/>
+                    <a:lstStyle/>
+                    <a:p>
+                      <a:r>
+                        <a:t>object2</a:t>
+                      </a:r>
+                    </a:p>
+                  </a:txBody>
+                  <a:tcPr/>
+                </a:tc>
+                <a:tc>
+                  <a:txBody>
+                    <a:bodyPr/>
+                    <a:lstStyle/>
+                    <a:p>
+                      <a:r>
+                        <a:t>object3</a:t>
+                      </a:r>
+                    </a:p>
+                  </a:txBody>
+                  <a:tcPr/>
+                </a:tc>
+              </a:tr>
+              <a:tr h="72000">
+                <a:tc>
+                  <a:txBody>
+                    <a:bodyPr/>
+                    <a:lstStyle/>
+                    <a:p>
+                      <a:r>
+                        <a:t>AI1</a:t>
+                      </a:r>
+                    </a:p>
+                  </a:txBody>
+                  <a:tcPr/>
+                </a:tc>
+                <a:tc>
+                  <a:txBody>
+                    <a:bodyPr/>
+                    <a:lstStyle/>
+                    <a:p>
+                      <a:r>
+                        <a:t>19.2</a:t>
+                      </a:r>
+                    </a:p>
+                  </a:txBody>
+                  <a:tcPr/>
+                </a:tc>
+                <a:tc>
+                  <a:txBody>
+                    <a:bodyPr/>
+                    <a:lstStyle/>
+                    <a:p>
+                      <a:r>
+                        <a:t>21.4</a:t>
+                      </a:r>
+                    </a:p>
+                  </a:txBody>
+                  <a:tcPr/>
+                </a:tc>
+                <a:tc>
+                  <a:txBody>
+                    <a:bodyPr/>
+                    <a:lstStyle/>
+                    <a:p>
+                      <a:r>
+                        <a:t>16.7</a:t>
+                      </a:r>
+                    </a:p>
+                  </a:txBody>
+                  <a:tcPr/>
+                </a:tc>
+              </a:tr>
+              <a:tr h="72000">
+                <a:tc>
+                  <a:txBody>
+                    <a:bodyPr/>
+                    <a:lstStyle/>
+                    <a:p>
+                      <a:r>
+                        <a:t>AI2</a:t>
+                      </a:r>
+                    </a:p>
+                  </a:txBody>
+                  <a:tcPr/>
+                </a:tc>
+                <a:tc>
+                  <a:txBody>
+                    <a:bodyPr/>
+                    <a:lstStyle/>
+                    <a:p>
+                      <a:r>
+                        <a:t>22.3</a:t>
+                      </a:r>
+                    </a:p>
+                  </a:txBody>
+                  <a:tcPr/>
+                </a:tc>
+                <a:tc>
+                  <a:txBody>
+                    <a:bodyPr/>
+                    <a:lstStyle/>
+                    <a:p>
+                      <a:r>
+                        <a:t>28.6</a:t>
+                      </a:r>
+                    </a:p>
+                  </a:txBody>
+                  <a:tcPr/>
+                </a:tc>
+                <a:tc>
+                  <a:txBody>
+                    <a:bodyPr/>
+                    <a:lstStyle/>
+                    <a:p>
+                      <a:r>
+                        <a:t>15.2</a:t>
+                      </a:r>
+                    </a:p>
+                  </a:txBody>
+                  <a:tcPr/>
+                </a:tc>
+              </a:tr>
+              <a:tr h="72000">
+                <a:tc>
+                  <a:txBody>
+                    <a:bodyPr/>
+                    <a:lstStyle/>
+                    <a:p>
+                      <a:r>
+                        <a:t>AI3</a:t>
+                      </a:r>
+                    </a:p>
+                  </a:txBody>
+                  <a:tcPr/>
+                </a:tc>
+                <a:tc>
+                  <a:txBody>
+                    <a:bodyPr/>
+                    <a:lstStyle/>
+                    <a:p>
+                      <a:r>
+                        <a:t>20.4</a:t>
+                      </a:r>
+                    </a:p>
+                  </a:txBody>
+                  <a:tcPr/>
+                </a:tc>
+                <a:tc>
+                  <a:txBody>
+                    <a:bodyPr/>
+                    <a:lstStyle/>
+                    <a:p>
+                      <a:r>
+                        <a:t>26.3</a:t>
+                      </a:r>
+                    </a:p>
+                  </a:txBody>
+                  <a:tcPr/>
+                </a:tc>
+                <a:tc>
+                  <a:txBody>
+                    <a:bodyPr/>
+                    <a:lstStyle/>
+                    <a:p>
+                      <a:r>
+                        <a:t>14.2</a:t>
+                      </a:r>
+                    </a:p>
+                  </a:txBody>
+                  <a:tcPr/>
+                </a:tc>
+              </a:tr>
+            </a:tbl>
           </a:graphicData>
         </a:graphic>
       </p:graphicFrame>
